--- a/presentation/Helpdesk/Németh Marcell/marcell_nemeth.pptx
+++ b/presentation/Helpdesk/Németh Marcell/marcell_nemeth.pptx
@@ -239,7 +239,7 @@
             <a:fld id="{108E5D05-7368-4B91-AD81-999E65E8BFFE}" type="datetimeFigureOut">
               <a:rPr lang="hu-HU" smtClean="0"/>
               <a:pPr/>
-              <a:t>2017. 03. 02.</a:t>
+              <a:t>2017. 03. 03.</a:t>
             </a:fld>
             <a:endParaRPr lang="hu-HU"/>
           </a:p>
@@ -1597,7 +1597,7 @@
             <a:fld id="{C6E8B002-83F0-41C5-A7B7-2819A96BD9B2}" type="datetimeFigureOut">
               <a:rPr lang="hu-HU" smtClean="0"/>
               <a:pPr/>
-              <a:t>2017. 03. 02.</a:t>
+              <a:t>2017. 03. 03.</a:t>
             </a:fld>
             <a:endParaRPr lang="hu-HU"/>
           </a:p>
@@ -1769,7 +1769,7 @@
             <a:fld id="{C6E8B002-83F0-41C5-A7B7-2819A96BD9B2}" type="datetimeFigureOut">
               <a:rPr lang="hu-HU" smtClean="0"/>
               <a:pPr/>
-              <a:t>2017. 03. 02.</a:t>
+              <a:t>2017. 03. 03.</a:t>
             </a:fld>
             <a:endParaRPr lang="hu-HU"/>
           </a:p>
@@ -1951,7 +1951,7 @@
             <a:fld id="{C6E8B002-83F0-41C5-A7B7-2819A96BD9B2}" type="datetimeFigureOut">
               <a:rPr lang="hu-HU" smtClean="0"/>
               <a:pPr/>
-              <a:t>2017. 03. 02.</a:t>
+              <a:t>2017. 03. 03.</a:t>
             </a:fld>
             <a:endParaRPr lang="hu-HU"/>
           </a:p>
@@ -2123,7 +2123,7 @@
             <a:fld id="{C6E8B002-83F0-41C5-A7B7-2819A96BD9B2}" type="datetimeFigureOut">
               <a:rPr lang="hu-HU" smtClean="0"/>
               <a:pPr/>
-              <a:t>2017. 03. 02.</a:t>
+              <a:t>2017. 03. 03.</a:t>
             </a:fld>
             <a:endParaRPr lang="hu-HU"/>
           </a:p>
@@ -2369,7 +2369,7 @@
             <a:fld id="{C6E8B002-83F0-41C5-A7B7-2819A96BD9B2}" type="datetimeFigureOut">
               <a:rPr lang="hu-HU" smtClean="0"/>
               <a:pPr/>
-              <a:t>2017. 03. 02.</a:t>
+              <a:t>2017. 03. 03.</a:t>
             </a:fld>
             <a:endParaRPr lang="hu-HU"/>
           </a:p>
@@ -2603,7 +2603,7 @@
             <a:fld id="{C6E8B002-83F0-41C5-A7B7-2819A96BD9B2}" type="datetimeFigureOut">
               <a:rPr lang="hu-HU" smtClean="0"/>
               <a:pPr/>
-              <a:t>2017. 03. 02.</a:t>
+              <a:t>2017. 03. 03.</a:t>
             </a:fld>
             <a:endParaRPr lang="hu-HU"/>
           </a:p>
@@ -2972,7 +2972,7 @@
             <a:fld id="{C6E8B002-83F0-41C5-A7B7-2819A96BD9B2}" type="datetimeFigureOut">
               <a:rPr lang="hu-HU" smtClean="0"/>
               <a:pPr/>
-              <a:t>2017. 03. 02.</a:t>
+              <a:t>2017. 03. 03.</a:t>
             </a:fld>
             <a:endParaRPr lang="hu-HU"/>
           </a:p>
@@ -3092,7 +3092,7 @@
             <a:fld id="{C6E8B002-83F0-41C5-A7B7-2819A96BD9B2}" type="datetimeFigureOut">
               <a:rPr lang="hu-HU" smtClean="0"/>
               <a:pPr/>
-              <a:t>2017. 03. 02.</a:t>
+              <a:t>2017. 03. 03.</a:t>
             </a:fld>
             <a:endParaRPr lang="hu-HU"/>
           </a:p>
@@ -3189,7 +3189,7 @@
             <a:fld id="{C6E8B002-83F0-41C5-A7B7-2819A96BD9B2}" type="datetimeFigureOut">
               <a:rPr lang="hu-HU" smtClean="0"/>
               <a:pPr/>
-              <a:t>2017. 03. 02.</a:t>
+              <a:t>2017. 03. 03.</a:t>
             </a:fld>
             <a:endParaRPr lang="hu-HU"/>
           </a:p>
@@ -3468,7 +3468,7 @@
             <a:fld id="{C6E8B002-83F0-41C5-A7B7-2819A96BD9B2}" type="datetimeFigureOut">
               <a:rPr lang="hu-HU" smtClean="0"/>
               <a:pPr/>
-              <a:t>2017. 03. 02.</a:t>
+              <a:t>2017. 03. 03.</a:t>
             </a:fld>
             <a:endParaRPr lang="hu-HU"/>
           </a:p>
@@ -3727,7 +3727,7 @@
             <a:fld id="{C6E8B002-83F0-41C5-A7B7-2819A96BD9B2}" type="datetimeFigureOut">
               <a:rPr lang="hu-HU" smtClean="0"/>
               <a:pPr/>
-              <a:t>2017. 03. 02.</a:t>
+              <a:t>2017. 03. 03.</a:t>
             </a:fld>
             <a:endParaRPr lang="hu-HU"/>
           </a:p>
@@ -3949,7 +3949,7 @@
             <a:fld id="{C6E8B002-83F0-41C5-A7B7-2819A96BD9B2}" type="datetimeFigureOut">
               <a:rPr lang="hu-HU" smtClean="0"/>
               <a:pPr/>
-              <a:t>2017. 03. 02.</a:t>
+              <a:t>2017. 03. 03.</a:t>
             </a:fld>
             <a:endParaRPr lang="hu-HU"/>
           </a:p>
@@ -4498,7 +4498,7 @@
         <p:spPr>
           <a:xfrm>
             <a:off x="333682" y="1731925"/>
-            <a:ext cx="7886700" cy="2424510"/>
+            <a:ext cx="7886700" cy="2492990"/>
           </a:xfrm>
           <a:prstGeom prst="rect">
             <a:avLst/>
@@ -4523,8 +4523,19 @@
                 <a:latin typeface="Arial" panose="020B0604020202020204" pitchFamily="34" charset="0"/>
                 <a:cs typeface="Arial" panose="020B0604020202020204" pitchFamily="34" charset="0"/>
               </a:rPr>
-              <a:t>Temérdek lexikális és technikai tudás.</a:t>
-            </a:r>
+              <a:t>Temérdek lexikális és technikai </a:t>
+            </a:r>
+            <a:r>
+              <a:rPr lang="hu-HU" sz="2000" dirty="0" smtClean="0">
+                <a:latin typeface="Arial" panose="020B0604020202020204" pitchFamily="34" charset="0"/>
+                <a:cs typeface="Arial" panose="020B0604020202020204" pitchFamily="34" charset="0"/>
+              </a:rPr>
+              <a:t>tudás</a:t>
+            </a:r>
+            <a:endParaRPr lang="hu-HU" sz="2000" dirty="0" smtClean="0">
+              <a:latin typeface="Arial" panose="020B0604020202020204" pitchFamily="34" charset="0"/>
+              <a:cs typeface="Arial" panose="020B0604020202020204" pitchFamily="34" charset="0"/>
+            </a:endParaRPr>
           </a:p>
           <a:p>
             <a:pPr marL="285750" indent="-285750">
@@ -4539,8 +4550,12 @@
                 <a:latin typeface="Arial" panose="020B0604020202020204" pitchFamily="34" charset="0"/>
                 <a:cs typeface="Arial" panose="020B0604020202020204" pitchFamily="34" charset="0"/>
               </a:rPr>
-              <a:t>Csapatmunka.</a:t>
-            </a:r>
+              <a:t>Csapatmunka</a:t>
+            </a:r>
+            <a:endParaRPr lang="hu-HU" sz="2000" dirty="0" smtClean="0">
+              <a:latin typeface="Arial" panose="020B0604020202020204" pitchFamily="34" charset="0"/>
+              <a:cs typeface="Arial" panose="020B0604020202020204" pitchFamily="34" charset="0"/>
+            </a:endParaRPr>
           </a:p>
           <a:p>
             <a:pPr marL="285750" indent="-285750">
@@ -4555,8 +4570,19 @@
                 <a:latin typeface="Arial" panose="020B0604020202020204" pitchFamily="34" charset="0"/>
                 <a:cs typeface="Arial" panose="020B0604020202020204" pitchFamily="34" charset="0"/>
               </a:rPr>
-              <a:t>Szakmai tapasztalat.</a:t>
-            </a:r>
+              <a:t>Szakmai </a:t>
+            </a:r>
+            <a:r>
+              <a:rPr lang="hu-HU" sz="2000" dirty="0" smtClean="0">
+                <a:latin typeface="Arial" panose="020B0604020202020204" pitchFamily="34" charset="0"/>
+                <a:cs typeface="Arial" panose="020B0604020202020204" pitchFamily="34" charset="0"/>
+              </a:rPr>
+              <a:t>tapasztalat</a:t>
+            </a:r>
+            <a:endParaRPr lang="hu-HU" sz="2000" dirty="0" smtClean="0">
+              <a:latin typeface="Arial" panose="020B0604020202020204" pitchFamily="34" charset="0"/>
+              <a:cs typeface="Arial" panose="020B0604020202020204" pitchFamily="34" charset="0"/>
+            </a:endParaRPr>
           </a:p>
           <a:p>
             <a:pPr marL="285750" indent="-285750">
@@ -4571,8 +4597,19 @@
                 <a:latin typeface="Arial" panose="020B0604020202020204" pitchFamily="34" charset="0"/>
                 <a:cs typeface="Arial" panose="020B0604020202020204" pitchFamily="34" charset="0"/>
               </a:rPr>
-              <a:t>Piacképes technológiák megismerése.</a:t>
-            </a:r>
+              <a:t>Piacképes technológiák </a:t>
+            </a:r>
+            <a:r>
+              <a:rPr lang="hu-HU" sz="2000" dirty="0" smtClean="0">
+                <a:latin typeface="Arial" panose="020B0604020202020204" pitchFamily="34" charset="0"/>
+                <a:cs typeface="Arial" panose="020B0604020202020204" pitchFamily="34" charset="0"/>
+              </a:rPr>
+              <a:t>megismerése</a:t>
+            </a:r>
+            <a:endParaRPr lang="hu-HU" sz="2000" dirty="0" smtClean="0">
+              <a:latin typeface="Arial" panose="020B0604020202020204" pitchFamily="34" charset="0"/>
+              <a:cs typeface="Arial" panose="020B0604020202020204" pitchFamily="34" charset="0"/>
+            </a:endParaRPr>
           </a:p>
           <a:p>
             <a:pPr marL="285750" indent="-285750">
@@ -4840,6 +4877,9 @@
                     <p:cTn id="3" fill="hold">
                       <p:stCondLst>
                         <p:cond delay="indefinite"/>
+                        <p:cond evt="onBegin" delay="0">
+                          <p:tn val="2"/>
+                        </p:cond>
                       </p:stCondLst>
                       <p:childTnLst>
                         <p:par>
@@ -4849,7 +4889,7 @@
                             </p:stCondLst>
                             <p:childTnLst>
                               <p:par>
-                                <p:cTn id="5" presetID="42" presetClass="entr" presetSubtype="0" fill="hold" nodeType="clickEffect">
+                                <p:cTn id="5" presetID="42" presetClass="entr" presetSubtype="0" fill="hold" nodeType="afterEffect">
                                   <p:stCondLst>
                                     <p:cond delay="0"/>
                                   </p:stCondLst>
@@ -5325,7 +5365,7 @@
                                     </p:set>
                                     <p:animEffect transition="in" filter="fade">
                                       <p:cBhvr>
-                                        <p:cTn id="34" dur="500"/>
+                                        <p:cTn id="34" dur="1000"/>
                                         <p:tgtEl>
                                           <p:spTgt spid="7"/>
                                         </p:tgtEl>
@@ -5340,7 +5380,7 @@
                         <p:par>
                           <p:cTn id="35" fill="hold">
                             <p:stCondLst>
-                              <p:cond delay="1500"/>
+                              <p:cond delay="2000"/>
                             </p:stCondLst>
                             <p:childTnLst>
                               <p:par>
@@ -5369,7 +5409,7 @@
                                     </p:set>
                                     <p:animEffect transition="in" filter="fade">
                                       <p:cBhvr>
-                                        <p:cTn id="38" dur="500"/>
+                                        <p:cTn id="38" dur="1000"/>
                                         <p:tgtEl>
                                           <p:spTgt spid="3"/>
                                         </p:tgtEl>
@@ -5384,7 +5424,7 @@
                         <p:par>
                           <p:cTn id="39" fill="hold">
                             <p:stCondLst>
-                              <p:cond delay="2000"/>
+                              <p:cond delay="3000"/>
                             </p:stCondLst>
                             <p:childTnLst>
                               <p:par>
@@ -5413,7 +5453,7 @@
                                     </p:set>
                                     <p:animEffect transition="in" filter="fade">
                                       <p:cBhvr>
-                                        <p:cTn id="42" dur="500"/>
+                                        <p:cTn id="42" dur="1000"/>
                                         <p:tgtEl>
                                           <p:spTgt spid="5"/>
                                         </p:tgtEl>
@@ -5428,7 +5468,7 @@
                         <p:par>
                           <p:cTn id="43" fill="hold">
                             <p:stCondLst>
-                              <p:cond delay="2500"/>
+                              <p:cond delay="4000"/>
                             </p:stCondLst>
                             <p:childTnLst>
                               <p:par>
@@ -5457,7 +5497,7 @@
                                     </p:set>
                                     <p:animEffect transition="in" filter="fade">
                                       <p:cBhvr>
-                                        <p:cTn id="46" dur="500"/>
+                                        <p:cTn id="46" dur="1000"/>
                                         <p:tgtEl>
                                           <p:spTgt spid="10"/>
                                         </p:tgtEl>
@@ -5472,7 +5512,7 @@
                         <p:par>
                           <p:cTn id="47" fill="hold">
                             <p:stCondLst>
-                              <p:cond delay="3000"/>
+                              <p:cond delay="5000"/>
                             </p:stCondLst>
                             <p:childTnLst>
                               <p:par>
@@ -5501,7 +5541,7 @@
                                     </p:set>
                                     <p:animEffect transition="in" filter="fade">
                                       <p:cBhvr>
-                                        <p:cTn id="50" dur="500"/>
+                                        <p:cTn id="50" dur="1000"/>
                                         <p:tgtEl>
                                           <p:spTgt spid="9"/>
                                         </p:tgtEl>
@@ -5516,7 +5556,7 @@
                         <p:par>
                           <p:cTn id="51" fill="hold">
                             <p:stCondLst>
-                              <p:cond delay="3500"/>
+                              <p:cond delay="6000"/>
                             </p:stCondLst>
                             <p:childTnLst>
                               <p:par>
@@ -5545,7 +5585,7 @@
                                     </p:set>
                                     <p:animEffect transition="in" filter="fade">
                                       <p:cBhvr>
-                                        <p:cTn id="54" dur="500"/>
+                                        <p:cTn id="54" dur="1000"/>
                                         <p:tgtEl>
                                           <p:spTgt spid="11"/>
                                         </p:tgtEl>
@@ -5980,7 +6020,7 @@
         </p:blipFill>
         <p:spPr>
           <a:xfrm>
-            <a:off x="1241150" y="1127596"/>
+            <a:off x="5116427" y="1407815"/>
             <a:ext cx="2880000" cy="2880000"/>
           </a:xfrm>
           <a:prstGeom prst="rect">
@@ -5996,7 +6036,7 @@
         </p:nvSpPr>
         <p:spPr>
           <a:xfrm>
-            <a:off x="4922462" y="1697299"/>
+            <a:off x="813447" y="1868916"/>
             <a:ext cx="3823332" cy="1384995"/>
           </a:xfrm>
           <a:prstGeom prst="rect">
@@ -6016,7 +6056,14 @@
                 <a:latin typeface="Arial" panose="020B0604020202020204" pitchFamily="34" charset="0"/>
                 <a:cs typeface="Arial" panose="020B0604020202020204" pitchFamily="34" charset="0"/>
               </a:rPr>
-              <a:t>Német Marcell</a:t>
+              <a:t>Németh </a:t>
+            </a:r>
+            <a:r>
+              <a:rPr lang="hu-HU" sz="2800" dirty="0" smtClean="0">
+                <a:latin typeface="Arial" panose="020B0604020202020204" pitchFamily="34" charset="0"/>
+                <a:cs typeface="Arial" panose="020B0604020202020204" pitchFamily="34" charset="0"/>
+              </a:rPr>
+              <a:t>Marcell</a:t>
             </a:r>
           </a:p>
           <a:p>
@@ -6115,13 +6162,6 @@
               </a:rPr>
               <a:t>jelentkeztem</a:t>
             </a:r>
-            <a:r>
-              <a:rPr lang="hu-HU" sz="1800" b="1" dirty="0" smtClean="0">
-                <a:latin typeface="Arial" panose="020B0604020202020204" pitchFamily="34" charset="0"/>
-                <a:cs typeface="Arial" panose="020B0604020202020204" pitchFamily="34" charset="0"/>
-              </a:rPr>
-              <a:t>:</a:t>
-            </a:r>
             <a:endParaRPr lang="hu-HU" sz="1800" b="1" dirty="0">
               <a:latin typeface="Arial" panose="020B0604020202020204" pitchFamily="34" charset="0"/>
               <a:cs typeface="Arial" panose="020B0604020202020204" pitchFamily="34" charset="0"/>
@@ -6163,8 +6203,19 @@
                 <a:latin typeface="Arial" panose="020B0604020202020204" pitchFamily="34" charset="0"/>
                 <a:cs typeface="Arial" panose="020B0604020202020204" pitchFamily="34" charset="0"/>
               </a:rPr>
-              <a:t>Java ismeretek bővítése.</a:t>
-            </a:r>
+              <a:t>Java ismeretek </a:t>
+            </a:r>
+            <a:r>
+              <a:rPr lang="hu-HU" sz="2400" dirty="0" smtClean="0">
+                <a:latin typeface="Arial" panose="020B0604020202020204" pitchFamily="34" charset="0"/>
+                <a:cs typeface="Arial" panose="020B0604020202020204" pitchFamily="34" charset="0"/>
+              </a:rPr>
+              <a:t>bővítése</a:t>
+            </a:r>
+            <a:endParaRPr lang="hu-HU" sz="2400" dirty="0" smtClean="0">
+              <a:latin typeface="Arial" panose="020B0604020202020204" pitchFamily="34" charset="0"/>
+              <a:cs typeface="Arial" panose="020B0604020202020204" pitchFamily="34" charset="0"/>
+            </a:endParaRPr>
           </a:p>
           <a:p>
             <a:pPr marL="285750" indent="-285750">
@@ -6179,8 +6230,19 @@
                 <a:latin typeface="Arial" panose="020B0604020202020204" pitchFamily="34" charset="0"/>
                 <a:cs typeface="Arial" panose="020B0604020202020204" pitchFamily="34" charset="0"/>
               </a:rPr>
-              <a:t>Új technológiák megismerése.</a:t>
-            </a:r>
+              <a:t>Új technológiák </a:t>
+            </a:r>
+            <a:r>
+              <a:rPr lang="hu-HU" sz="2400" dirty="0" smtClean="0">
+                <a:latin typeface="Arial" panose="020B0604020202020204" pitchFamily="34" charset="0"/>
+                <a:cs typeface="Arial" panose="020B0604020202020204" pitchFamily="34" charset="0"/>
+              </a:rPr>
+              <a:t>megismerése</a:t>
+            </a:r>
+            <a:endParaRPr lang="hu-HU" sz="2400" dirty="0" smtClean="0">
+              <a:latin typeface="Arial" panose="020B0604020202020204" pitchFamily="34" charset="0"/>
+              <a:cs typeface="Arial" panose="020B0604020202020204" pitchFamily="34" charset="0"/>
+            </a:endParaRPr>
           </a:p>
           <a:p>
             <a:pPr marL="285750" indent="-285750">
@@ -6195,7 +6257,14 @@
                 <a:latin typeface="Arial" panose="020B0604020202020204" pitchFamily="34" charset="0"/>
                 <a:cs typeface="Arial" panose="020B0604020202020204" pitchFamily="34" charset="0"/>
               </a:rPr>
-              <a:t>Piacképes tudást szerezzek.</a:t>
+              <a:t>Piacképes tudást </a:t>
+            </a:r>
+            <a:r>
+              <a:rPr lang="hu-HU" sz="2400" dirty="0" smtClean="0">
+                <a:latin typeface="Arial" panose="020B0604020202020204" pitchFamily="34" charset="0"/>
+                <a:cs typeface="Arial" panose="020B0604020202020204" pitchFamily="34" charset="0"/>
+              </a:rPr>
+              <a:t>szerezzek</a:t>
             </a:r>
             <a:endParaRPr lang="hu-HU" sz="2400" dirty="0">
               <a:latin typeface="Arial" panose="020B0604020202020204" pitchFamily="34" charset="0"/>
@@ -6305,6 +6374,9 @@
                     <p:cTn id="3" fill="hold">
                       <p:stCondLst>
                         <p:cond delay="indefinite"/>
+                        <p:cond evt="onBegin" delay="0">
+                          <p:tn val="2"/>
+                        </p:cond>
                       </p:stCondLst>
                       <p:childTnLst>
                         <p:par>
@@ -6314,7 +6386,7 @@
                             </p:stCondLst>
                             <p:childTnLst>
                               <p:par>
-                                <p:cTn id="5" presetID="42" presetClass="entr" presetSubtype="0" fill="hold" nodeType="clickEffect">
+                                <p:cTn id="5" presetID="42" presetClass="entr" presetSubtype="0" fill="hold" nodeType="afterEffect">
                                   <p:stCondLst>
                                     <p:cond delay="0"/>
                                   </p:stCondLst>
@@ -6389,6 +6461,87 @@
                                               <p:pRg st="0" end="0"/>
                                             </p:txEl>
                                           </p:spTgt>
+                                        </p:tgtEl>
+                                        <p:attrNameLst>
+                                          <p:attrName>ppt_y</p:attrName>
+                                        </p:attrNameLst>
+                                      </p:cBhvr>
+                                      <p:tavLst>
+                                        <p:tav tm="0">
+                                          <p:val>
+                                            <p:strVal val="#ppt_y+.1"/>
+                                          </p:val>
+                                        </p:tav>
+                                        <p:tav tm="100000">
+                                          <p:val>
+                                            <p:strVal val="#ppt_y"/>
+                                          </p:val>
+                                        </p:tav>
+                                      </p:tavLst>
+                                    </p:anim>
+                                  </p:childTnLst>
+                                </p:cTn>
+                              </p:par>
+                              <p:par>
+                                <p:cTn id="10" presetID="42" presetClass="entr" presetSubtype="0" fill="hold" nodeType="withEffect">
+                                  <p:stCondLst>
+                                    <p:cond delay="0"/>
+                                  </p:stCondLst>
+                                  <p:childTnLst>
+                                    <p:set>
+                                      <p:cBhvr>
+                                        <p:cTn id="11" dur="1" fill="hold">
+                                          <p:stCondLst>
+                                            <p:cond delay="0"/>
+                                          </p:stCondLst>
+                                        </p:cTn>
+                                        <p:tgtEl>
+                                          <p:spTgt spid="7"/>
+                                        </p:tgtEl>
+                                        <p:attrNameLst>
+                                          <p:attrName>style.visibility</p:attrName>
+                                        </p:attrNameLst>
+                                      </p:cBhvr>
+                                      <p:to>
+                                        <p:strVal val="visible"/>
+                                      </p:to>
+                                    </p:set>
+                                    <p:animEffect transition="in" filter="fade">
+                                      <p:cBhvr>
+                                        <p:cTn id="12" dur="1000"/>
+                                        <p:tgtEl>
+                                          <p:spTgt spid="7"/>
+                                        </p:tgtEl>
+                                      </p:cBhvr>
+                                    </p:animEffect>
+                                    <p:anim calcmode="lin" valueType="num">
+                                      <p:cBhvr>
+                                        <p:cTn id="13" dur="1000" fill="hold"/>
+                                        <p:tgtEl>
+                                          <p:spTgt spid="7"/>
+                                        </p:tgtEl>
+                                        <p:attrNameLst>
+                                          <p:attrName>ppt_x</p:attrName>
+                                        </p:attrNameLst>
+                                      </p:cBhvr>
+                                      <p:tavLst>
+                                        <p:tav tm="0">
+                                          <p:val>
+                                            <p:strVal val="#ppt_x"/>
+                                          </p:val>
+                                        </p:tav>
+                                        <p:tav tm="100000">
+                                          <p:val>
+                                            <p:strVal val="#ppt_x"/>
+                                          </p:val>
+                                        </p:tav>
+                                      </p:tavLst>
+                                    </p:anim>
+                                    <p:anim calcmode="lin" valueType="num">
+                                      <p:cBhvr>
+                                        <p:cTn id="14" dur="1000" fill="hold"/>
+                                        <p:tgtEl>
+                                          <p:spTgt spid="7"/>
                                         </p:tgtEl>
                                         <p:attrNameLst>
                                           <p:attrName>ppt_y</p:attrName>
@@ -6417,26 +6570,26 @@
                     </p:cTn>
                   </p:par>
                   <p:par>
-                    <p:cTn id="10" fill="hold">
+                    <p:cTn id="15" fill="hold">
                       <p:stCondLst>
                         <p:cond delay="indefinite"/>
                       </p:stCondLst>
                       <p:childTnLst>
                         <p:par>
-                          <p:cTn id="11" fill="hold">
+                          <p:cTn id="16" fill="hold">
                             <p:stCondLst>
                               <p:cond delay="0"/>
                             </p:stCondLst>
                             <p:childTnLst>
                               <p:par>
-                                <p:cTn id="12" presetID="42" presetClass="entr" presetSubtype="0" fill="hold" nodeType="clickEffect">
+                                <p:cTn id="17" presetID="42" presetClass="entr" presetSubtype="0" fill="hold" nodeType="clickEffect">
                                   <p:stCondLst>
                                     <p:cond delay="0"/>
                                   </p:stCondLst>
                                   <p:childTnLst>
                                     <p:set>
                                       <p:cBhvr>
-                                        <p:cTn id="13" dur="1" fill="hold">
+                                        <p:cTn id="18" dur="1" fill="hold">
                                           <p:stCondLst>
                                             <p:cond delay="0"/>
                                           </p:stCondLst>
@@ -6458,7 +6611,7 @@
                                     </p:set>
                                     <p:animEffect transition="in" filter="fade">
                                       <p:cBhvr>
-                                        <p:cTn id="14" dur="1000"/>
+                                        <p:cTn id="19" dur="1000"/>
                                         <p:tgtEl>
                                           <p:spTgt spid="6">
                                             <p:txEl>
@@ -6470,7 +6623,7 @@
                                     </p:animEffect>
                                     <p:anim calcmode="lin" valueType="num">
                                       <p:cBhvr>
-                                        <p:cTn id="15" dur="1000" fill="hold"/>
+                                        <p:cTn id="20" dur="1000" fill="hold"/>
                                         <p:tgtEl>
                                           <p:spTgt spid="6">
                                             <p:txEl>
@@ -6497,7 +6650,7 @@
                                     </p:anim>
                                     <p:anim calcmode="lin" valueType="num">
                                       <p:cBhvr>
-                                        <p:cTn id="16" dur="1000" fill="hold"/>
+                                        <p:cTn id="21" dur="1000" fill="hold"/>
                                         <p:tgtEl>
                                           <p:spTgt spid="6">
                                             <p:txEl>
@@ -6532,26 +6685,26 @@
                     </p:cTn>
                   </p:par>
                   <p:par>
-                    <p:cTn id="17" fill="hold">
+                    <p:cTn id="22" fill="hold">
                       <p:stCondLst>
                         <p:cond delay="indefinite"/>
                       </p:stCondLst>
                       <p:childTnLst>
                         <p:par>
-                          <p:cTn id="18" fill="hold">
+                          <p:cTn id="23" fill="hold">
                             <p:stCondLst>
                               <p:cond delay="0"/>
                             </p:stCondLst>
                             <p:childTnLst>
                               <p:par>
-                                <p:cTn id="19" presetID="42" presetClass="entr" presetSubtype="0" fill="hold" nodeType="clickEffect">
+                                <p:cTn id="24" presetID="42" presetClass="entr" presetSubtype="0" fill="hold" nodeType="clickEffect">
                                   <p:stCondLst>
                                     <p:cond delay="0"/>
                                   </p:stCondLst>
                                   <p:childTnLst>
                                     <p:set>
                                       <p:cBhvr>
-                                        <p:cTn id="20" dur="1" fill="hold">
+                                        <p:cTn id="25" dur="1" fill="hold">
                                           <p:stCondLst>
                                             <p:cond delay="0"/>
                                           </p:stCondLst>
@@ -6573,7 +6726,7 @@
                                     </p:set>
                                     <p:animEffect transition="in" filter="fade">
                                       <p:cBhvr>
-                                        <p:cTn id="21" dur="1000"/>
+                                        <p:cTn id="26" dur="1000"/>
                                         <p:tgtEl>
                                           <p:spTgt spid="6">
                                             <p:txEl>
@@ -6585,7 +6738,7 @@
                                     </p:animEffect>
                                     <p:anim calcmode="lin" valueType="num">
                                       <p:cBhvr>
-                                        <p:cTn id="22" dur="1000" fill="hold"/>
+                                        <p:cTn id="27" dur="1000" fill="hold"/>
                                         <p:tgtEl>
                                           <p:spTgt spid="6">
                                             <p:txEl>
@@ -6612,7 +6765,7 @@
                                     </p:anim>
                                     <p:anim calcmode="lin" valueType="num">
                                       <p:cBhvr>
-                                        <p:cTn id="23" dur="1000" fill="hold"/>
+                                        <p:cTn id="28" dur="1000" fill="hold"/>
                                         <p:tgtEl>
                                           <p:spTgt spid="6">
                                             <p:txEl>
@@ -6862,8 +7015,19 @@
                 <a:latin typeface="Arial" panose="020B0604020202020204" pitchFamily="34" charset="0"/>
                 <a:cs typeface="Arial" panose="020B0604020202020204" pitchFamily="34" charset="0"/>
               </a:rPr>
-              <a:t>Lokalizáció bevezetése.</a:t>
-            </a:r>
+              <a:t>Lokalizáció </a:t>
+            </a:r>
+            <a:r>
+              <a:rPr lang="hu-HU" sz="2400" dirty="0" smtClean="0">
+                <a:latin typeface="Arial" panose="020B0604020202020204" pitchFamily="34" charset="0"/>
+                <a:cs typeface="Arial" panose="020B0604020202020204" pitchFamily="34" charset="0"/>
+              </a:rPr>
+              <a:t>bevezetése</a:t>
+            </a:r>
+            <a:endParaRPr lang="hu-HU" sz="2400" dirty="0" smtClean="0">
+              <a:latin typeface="Arial" panose="020B0604020202020204" pitchFamily="34" charset="0"/>
+              <a:cs typeface="Arial" panose="020B0604020202020204" pitchFamily="34" charset="0"/>
+            </a:endParaRPr>
           </a:p>
           <a:p>
             <a:pPr marL="285750" indent="-285750">
@@ -6878,8 +7042,19 @@
                 <a:latin typeface="Arial" panose="020B0604020202020204" pitchFamily="34" charset="0"/>
                 <a:cs typeface="Arial" panose="020B0604020202020204" pitchFamily="34" charset="0"/>
               </a:rPr>
-              <a:t>Chat funkció implementálása.</a:t>
-            </a:r>
+              <a:t>Chat funkció </a:t>
+            </a:r>
+            <a:r>
+              <a:rPr lang="hu-HU" sz="2400" dirty="0" smtClean="0">
+                <a:latin typeface="Arial" panose="020B0604020202020204" pitchFamily="34" charset="0"/>
+                <a:cs typeface="Arial" panose="020B0604020202020204" pitchFamily="34" charset="0"/>
+              </a:rPr>
+              <a:t>implementálása</a:t>
+            </a:r>
+            <a:endParaRPr lang="hu-HU" sz="2400" dirty="0" smtClean="0">
+              <a:latin typeface="Arial" panose="020B0604020202020204" pitchFamily="34" charset="0"/>
+              <a:cs typeface="Arial" panose="020B0604020202020204" pitchFamily="34" charset="0"/>
+            </a:endParaRPr>
           </a:p>
           <a:p>
             <a:pPr marL="285750" indent="-285750">
@@ -6894,8 +7069,19 @@
                 <a:latin typeface="Arial" panose="020B0604020202020204" pitchFamily="34" charset="0"/>
                 <a:cs typeface="Arial" panose="020B0604020202020204" pitchFamily="34" charset="0"/>
               </a:rPr>
-              <a:t>Statisztika oldal elkészítése.</a:t>
-            </a:r>
+              <a:t>Statisztika oldal </a:t>
+            </a:r>
+            <a:r>
+              <a:rPr lang="hu-HU" sz="2400" dirty="0" smtClean="0">
+                <a:latin typeface="Arial" panose="020B0604020202020204" pitchFamily="34" charset="0"/>
+                <a:cs typeface="Arial" panose="020B0604020202020204" pitchFamily="34" charset="0"/>
+              </a:rPr>
+              <a:t>elkészítése</a:t>
+            </a:r>
+            <a:endParaRPr lang="hu-HU" sz="2400" dirty="0" smtClean="0">
+              <a:latin typeface="Arial" panose="020B0604020202020204" pitchFamily="34" charset="0"/>
+              <a:cs typeface="Arial" panose="020B0604020202020204" pitchFamily="34" charset="0"/>
+            </a:endParaRPr>
           </a:p>
           <a:p>
             <a:pPr marL="285750" indent="-285750">
@@ -7013,6 +7199,9 @@
                     <p:cTn id="3" fill="hold">
                       <p:stCondLst>
                         <p:cond delay="indefinite"/>
+                        <p:cond evt="onBegin" delay="0">
+                          <p:tn val="2"/>
+                        </p:cond>
                       </p:stCondLst>
                       <p:childTnLst>
                         <p:par>
@@ -7022,7 +7211,7 @@
                             </p:stCondLst>
                             <p:childTnLst>
                               <p:par>
-                                <p:cTn id="5" presetID="42" presetClass="entr" presetSubtype="0" fill="hold" nodeType="clickEffect">
+                                <p:cTn id="5" presetID="42" presetClass="entr" presetSubtype="0" fill="hold" nodeType="afterEffect">
                                   <p:stCondLst>
                                     <p:cond delay="0"/>
                                   </p:stCondLst>
@@ -7441,7 +7630,7 @@
         <p:spPr>
           <a:xfrm>
             <a:off x="333682" y="1731925"/>
-            <a:ext cx="7886700" cy="1131848"/>
+            <a:ext cx="7886700" cy="1200329"/>
           </a:xfrm>
           <a:prstGeom prst="rect">
             <a:avLst/>
@@ -7466,8 +7655,19 @@
                 <a:latin typeface="Arial" panose="020B0604020202020204" pitchFamily="34" charset="0"/>
                 <a:cs typeface="Arial" panose="020B0604020202020204" pitchFamily="34" charset="0"/>
               </a:rPr>
-              <a:t>Az oldalak megtekinthetőek magyarul és angolul egyaránt.</a:t>
-            </a:r>
+              <a:t>Az oldalak megtekinthetőek magyarul és angolul </a:t>
+            </a:r>
+            <a:r>
+              <a:rPr lang="hu-HU" sz="2400" dirty="0" smtClean="0">
+                <a:latin typeface="Arial" panose="020B0604020202020204" pitchFamily="34" charset="0"/>
+                <a:cs typeface="Arial" panose="020B0604020202020204" pitchFamily="34" charset="0"/>
+              </a:rPr>
+              <a:t>egyaránt</a:t>
+            </a:r>
+            <a:endParaRPr lang="hu-HU" sz="2400" dirty="0" smtClean="0">
+              <a:latin typeface="Arial" panose="020B0604020202020204" pitchFamily="34" charset="0"/>
+              <a:cs typeface="Arial" panose="020B0604020202020204" pitchFamily="34" charset="0"/>
+            </a:endParaRPr>
           </a:p>
         </p:txBody>
       </p:sp>
@@ -7632,6 +7832,9 @@
                     <p:cTn id="3" fill="hold">
                       <p:stCondLst>
                         <p:cond delay="indefinite"/>
+                        <p:cond evt="onBegin" delay="0">
+                          <p:tn val="2"/>
+                        </p:cond>
                       </p:stCondLst>
                       <p:childTnLst>
                         <p:par>
@@ -7641,7 +7844,7 @@
                             </p:stCondLst>
                             <p:childTnLst>
                               <p:par>
-                                <p:cTn id="5" presetID="42" presetClass="entr" presetSubtype="0" fill="hold" nodeType="clickEffect">
+                                <p:cTn id="5" presetID="42" presetClass="entr" presetSubtype="0" fill="hold" nodeType="afterEffect">
                                   <p:stCondLst>
                                     <p:cond delay="0"/>
                                   </p:stCondLst>
@@ -8125,8 +8328,19 @@
                 <a:latin typeface="Arial" panose="020B0604020202020204" pitchFamily="34" charset="0"/>
                 <a:cs typeface="Arial" panose="020B0604020202020204" pitchFamily="34" charset="0"/>
               </a:rPr>
-              <a:t>Legnagyobb kihívás.</a:t>
-            </a:r>
+              <a:t>Legnagyobb </a:t>
+            </a:r>
+            <a:r>
+              <a:rPr lang="hu-HU" sz="2000" dirty="0" smtClean="0">
+                <a:latin typeface="Arial" panose="020B0604020202020204" pitchFamily="34" charset="0"/>
+                <a:cs typeface="Arial" panose="020B0604020202020204" pitchFamily="34" charset="0"/>
+              </a:rPr>
+              <a:t>kihívás</a:t>
+            </a:r>
+            <a:endParaRPr lang="hu-HU" sz="2000" dirty="0" smtClean="0">
+              <a:latin typeface="Arial" panose="020B0604020202020204" pitchFamily="34" charset="0"/>
+              <a:cs typeface="Arial" panose="020B0604020202020204" pitchFamily="34" charset="0"/>
+            </a:endParaRPr>
           </a:p>
           <a:p>
             <a:pPr marL="285750" indent="-285750">
@@ -8141,8 +8355,12 @@
                 <a:latin typeface="Arial" panose="020B0604020202020204" pitchFamily="34" charset="0"/>
                 <a:cs typeface="Arial" panose="020B0604020202020204" pitchFamily="34" charset="0"/>
               </a:rPr>
-              <a:t>Csapatmunka.</a:t>
-            </a:r>
+              <a:t>Csapatmunka</a:t>
+            </a:r>
+            <a:endParaRPr lang="hu-HU" sz="2000" dirty="0" smtClean="0">
+              <a:latin typeface="Arial" panose="020B0604020202020204" pitchFamily="34" charset="0"/>
+              <a:cs typeface="Arial" panose="020B0604020202020204" pitchFamily="34" charset="0"/>
+            </a:endParaRPr>
           </a:p>
           <a:p>
             <a:pPr marL="285750" indent="-285750">
@@ -8164,8 +8382,19 @@
                 <a:latin typeface="Arial" panose="020B0604020202020204" pitchFamily="34" charset="0"/>
                 <a:cs typeface="Arial" panose="020B0604020202020204" pitchFamily="34" charset="0"/>
               </a:rPr>
-              <a:t> működés.</a:t>
-            </a:r>
+              <a:t> </a:t>
+            </a:r>
+            <a:r>
+              <a:rPr lang="hu-HU" sz="2000" dirty="0" smtClean="0">
+                <a:latin typeface="Arial" panose="020B0604020202020204" pitchFamily="34" charset="0"/>
+                <a:cs typeface="Arial" panose="020B0604020202020204" pitchFamily="34" charset="0"/>
+              </a:rPr>
+              <a:t>működés</a:t>
+            </a:r>
+            <a:endParaRPr lang="hu-HU" sz="2000" dirty="0" smtClean="0">
+              <a:latin typeface="Arial" panose="020B0604020202020204" pitchFamily="34" charset="0"/>
+              <a:cs typeface="Arial" panose="020B0604020202020204" pitchFamily="34" charset="0"/>
+            </a:endParaRPr>
           </a:p>
           <a:p>
             <a:pPr marL="285750" indent="-285750">
@@ -8180,8 +8409,12 @@
                 <a:latin typeface="Arial" panose="020B0604020202020204" pitchFamily="34" charset="0"/>
                 <a:cs typeface="Arial" panose="020B0604020202020204" pitchFamily="34" charset="0"/>
               </a:rPr>
-              <a:t>Design.</a:t>
-            </a:r>
+              <a:t>Design</a:t>
+            </a:r>
+            <a:endParaRPr lang="hu-HU" sz="2000" dirty="0" smtClean="0">
+              <a:latin typeface="Arial" panose="020B0604020202020204" pitchFamily="34" charset="0"/>
+              <a:cs typeface="Arial" panose="020B0604020202020204" pitchFamily="34" charset="0"/>
+            </a:endParaRPr>
           </a:p>
           <a:p>
             <a:pPr marL="285750" indent="-285750">
@@ -8198,13 +8431,10 @@
               </a:rPr>
               <a:t>Javascript</a:t>
             </a:r>
-            <a:r>
-              <a:rPr lang="hu-HU" sz="2000" dirty="0" smtClean="0">
-                <a:latin typeface="Arial" panose="020B0604020202020204" pitchFamily="34" charset="0"/>
-                <a:cs typeface="Arial" panose="020B0604020202020204" pitchFamily="34" charset="0"/>
-              </a:rPr>
-              <a:t>.</a:t>
-            </a:r>
+            <a:endParaRPr lang="hu-HU" sz="2000" dirty="0" smtClean="0">
+              <a:latin typeface="Arial" panose="020B0604020202020204" pitchFamily="34" charset="0"/>
+              <a:cs typeface="Arial" panose="020B0604020202020204" pitchFamily="34" charset="0"/>
+            </a:endParaRPr>
           </a:p>
           <a:p>
             <a:pPr marL="285750" indent="-285750">
@@ -8400,11 +8630,11 @@
   <p:clrMapOvr>
     <a:masterClrMapping/>
   </p:clrMapOvr>
-  <mc:AlternateContent xmlns:mc="http://schemas.openxmlformats.org/markup-compatibility/2006">
-    <mc:Choice xmlns:p14="http://schemas.microsoft.com/office/powerpoint/2010/main" Requires="p14">
+  <mc:AlternateContent xmlns:mc="http://schemas.openxmlformats.org/markup-compatibility/2006" xmlns:p14="http://schemas.microsoft.com/office/powerpoint/2010/main">
+    <mc:Choice Requires="p14">
       <p:transition p14:dur="10"/>
     </mc:Choice>
-    <mc:Fallback>
+    <mc:Fallback xmlns="">
       <p:transition/>
     </mc:Fallback>
   </mc:AlternateContent>
@@ -8420,6 +8650,9 @@
                     <p:cTn id="3" fill="hold">
                       <p:stCondLst>
                         <p:cond delay="indefinite"/>
+                        <p:cond evt="onBegin" delay="0">
+                          <p:tn val="2"/>
+                        </p:cond>
                       </p:stCondLst>
                       <p:childTnLst>
                         <p:par>
@@ -8429,7 +8662,7 @@
                             </p:stCondLst>
                             <p:childTnLst>
                               <p:par>
-                                <p:cTn id="5" presetID="42" presetClass="entr" presetSubtype="0" fill="hold" nodeType="clickEffect">
+                                <p:cTn id="5" presetID="42" presetClass="entr" presetSubtype="0" fill="hold" nodeType="afterEffect">
                                   <p:stCondLst>
                                     <p:cond delay="0"/>
                                   </p:stCondLst>
@@ -9427,8 +9660,19 @@
                 <a:latin typeface="Arial" panose="020B0604020202020204" pitchFamily="34" charset="0"/>
                 <a:cs typeface="Arial" panose="020B0604020202020204" pitchFamily="34" charset="0"/>
               </a:rPr>
-              <a:t>Mindkét csapattal kommunikáció.</a:t>
-            </a:r>
+              <a:t>Mindkét csapattal </a:t>
+            </a:r>
+            <a:r>
+              <a:rPr lang="hu-HU" sz="2400" dirty="0" smtClean="0">
+                <a:latin typeface="Arial" panose="020B0604020202020204" pitchFamily="34" charset="0"/>
+                <a:cs typeface="Arial" panose="020B0604020202020204" pitchFamily="34" charset="0"/>
+              </a:rPr>
+              <a:t>kommunikáció</a:t>
+            </a:r>
+            <a:endParaRPr lang="hu-HU" sz="2400" dirty="0" smtClean="0">
+              <a:latin typeface="Arial" panose="020B0604020202020204" pitchFamily="34" charset="0"/>
+              <a:cs typeface="Arial" panose="020B0604020202020204" pitchFamily="34" charset="0"/>
+            </a:endParaRPr>
           </a:p>
           <a:p>
             <a:pPr marL="285750" indent="-285750">
@@ -9443,8 +9687,19 @@
                 <a:latin typeface="Arial" panose="020B0604020202020204" pitchFamily="34" charset="0"/>
                 <a:cs typeface="Arial" panose="020B0604020202020204" pitchFamily="34" charset="0"/>
               </a:rPr>
-              <a:t>Napi, heti, havi szűrés.</a:t>
-            </a:r>
+              <a:t>Napi, heti, havi </a:t>
+            </a:r>
+            <a:r>
+              <a:rPr lang="hu-HU" sz="2400" dirty="0" smtClean="0">
+                <a:latin typeface="Arial" panose="020B0604020202020204" pitchFamily="34" charset="0"/>
+                <a:cs typeface="Arial" panose="020B0604020202020204" pitchFamily="34" charset="0"/>
+              </a:rPr>
+              <a:t>szűrés</a:t>
+            </a:r>
+            <a:endParaRPr lang="hu-HU" sz="2400" dirty="0" smtClean="0">
+              <a:latin typeface="Arial" panose="020B0604020202020204" pitchFamily="34" charset="0"/>
+              <a:cs typeface="Arial" panose="020B0604020202020204" pitchFamily="34" charset="0"/>
+            </a:endParaRPr>
           </a:p>
           <a:p>
             <a:pPr marL="285750" indent="-285750">
@@ -9461,13 +9716,10 @@
               </a:rPr>
               <a:t>Primefaces</a:t>
             </a:r>
-            <a:r>
-              <a:rPr lang="hu-HU" sz="2400" dirty="0" smtClean="0">
-                <a:latin typeface="Arial" panose="020B0604020202020204" pitchFamily="34" charset="0"/>
-                <a:cs typeface="Arial" panose="020B0604020202020204" pitchFamily="34" charset="0"/>
-              </a:rPr>
-              <a:t>.</a:t>
-            </a:r>
+            <a:endParaRPr lang="hu-HU" sz="2400" dirty="0" smtClean="0">
+              <a:latin typeface="Arial" panose="020B0604020202020204" pitchFamily="34" charset="0"/>
+              <a:cs typeface="Arial" panose="020B0604020202020204" pitchFamily="34" charset="0"/>
+            </a:endParaRPr>
           </a:p>
           <a:p>
             <a:pPr marL="285750" indent="-285750">
@@ -9645,6 +9897,9 @@
                     <p:cTn id="3" fill="hold">
                       <p:stCondLst>
                         <p:cond delay="indefinite"/>
+                        <p:cond evt="onBegin" delay="0">
+                          <p:tn val="2"/>
+                        </p:cond>
                       </p:stCondLst>
                       <p:childTnLst>
                         <p:par>
@@ -9654,7 +9909,7 @@
                             </p:stCondLst>
                             <p:childTnLst>
                               <p:par>
-                                <p:cTn id="5" presetID="42" presetClass="entr" presetSubtype="0" fill="hold" nodeType="clickEffect">
+                                <p:cTn id="5" presetID="42" presetClass="entr" presetSubtype="0" fill="hold" nodeType="afterEffect">
                                   <p:stCondLst>
                                     <p:cond delay="0"/>
                                   </p:stCondLst>
@@ -11479,18 +11734,18 @@
 </file>
 
 <file path=customXml/item2.xml><?xml version="1.0" encoding="utf-8"?>
-<p:properties xmlns:p="http://schemas.microsoft.com/office/2006/metadata/properties" xmlns:xsi="http://www.w3.org/2001/XMLSchema-instance" xmlns:pc="http://schemas.microsoft.com/office/infopath/2007/PartnerControls">
-  <documentManagement/>
-</p:properties>
-</file>
-
-<file path=customXml/item3.xml><?xml version="1.0" encoding="utf-8"?>
 <?mso-contentType ?>
 <FormTemplates xmlns="http://schemas.microsoft.com/sharepoint/v3/contenttype/forms">
   <Display>DocumentLibraryForm</Display>
   <Edit>DocumentLibraryForm</Edit>
   <New>DocumentLibraryForm</New>
 </FormTemplates>
+</file>
+
+<file path=customXml/item3.xml><?xml version="1.0" encoding="utf-8"?>
+<p:properties xmlns:p="http://schemas.microsoft.com/office/2006/metadata/properties" xmlns:xsi="http://www.w3.org/2001/XMLSchema-instance" xmlns:pc="http://schemas.microsoft.com/office/infopath/2007/PartnerControls">
+  <documentManagement/>
+</p:properties>
 </file>
 
 <file path=customXml/itemProps1.xml><?xml version="1.0" encoding="utf-8"?>
@@ -11512,6 +11767,14 @@
 </file>
 
 <file path=customXml/itemProps2.xml><?xml version="1.0" encoding="utf-8"?>
+<ds:datastoreItem xmlns:ds="http://schemas.openxmlformats.org/officeDocument/2006/customXml" ds:itemID="{166AD069-051C-46FD-A0CD-BDE143FEA57D}">
+  <ds:schemaRefs>
+    <ds:schemaRef ds:uri="http://schemas.microsoft.com/sharepoint/v3/contenttype/forms"/>
+  </ds:schemaRefs>
+</ds:datastoreItem>
+</file>
+
+<file path=customXml/itemProps3.xml><?xml version="1.0" encoding="utf-8"?>
 <ds:datastoreItem xmlns:ds="http://schemas.openxmlformats.org/officeDocument/2006/customXml" ds:itemID="{8E1455B4-EFFE-4AEE-ADC2-FE51D16F6234}">
   <ds:schemaRefs>
     <ds:schemaRef ds:uri="http://schemas.microsoft.com/office/infopath/2007/PartnerControls"/>
@@ -11525,12 +11788,4 @@
     <ds:schemaRef ds:uri="http://purl.org/dc/elements/1.1/"/>
   </ds:schemaRefs>
 </ds:datastoreItem>
-</file>
-
-<file path=customXml/itemProps3.xml><?xml version="1.0" encoding="utf-8"?>
-<ds:datastoreItem xmlns:ds="http://schemas.openxmlformats.org/officeDocument/2006/customXml" ds:itemID="{166AD069-051C-46FD-A0CD-BDE143FEA57D}">
-  <ds:schemaRefs>
-    <ds:schemaRef ds:uri="http://schemas.microsoft.com/sharepoint/v3/contenttype/forms"/>
-  </ds:schemaRefs>
-</ds:datastoreItem>
 </file>